--- a/Figures/VectorSynthesisedExample.pptx
+++ b/Figures/VectorSynthesisedExample.pptx
@@ -288,7 +288,7 @@
           <a:p>
             <a:fld id="{4A558CC7-AE26-7E43-876B-01B3BA766050}" type="datetimeFigureOut">
               <a:rPr lang="da-DK" smtClean="0"/>
-              <a:t>03/06/14</a:t>
+              <a:t>07/07/14</a:t>
             </a:fld>
             <a:endParaRPr lang="en-GB"/>
           </a:p>
@@ -458,7 +458,7 @@
           <a:p>
             <a:fld id="{4A558CC7-AE26-7E43-876B-01B3BA766050}" type="datetimeFigureOut">
               <a:rPr lang="da-DK" smtClean="0"/>
-              <a:t>03/06/14</a:t>
+              <a:t>07/07/14</a:t>
             </a:fld>
             <a:endParaRPr lang="en-GB"/>
           </a:p>
@@ -638,7 +638,7 @@
           <a:p>
             <a:fld id="{4A558CC7-AE26-7E43-876B-01B3BA766050}" type="datetimeFigureOut">
               <a:rPr lang="da-DK" smtClean="0"/>
-              <a:t>03/06/14</a:t>
+              <a:t>07/07/14</a:t>
             </a:fld>
             <a:endParaRPr lang="en-GB"/>
           </a:p>
@@ -808,7 +808,7 @@
           <a:p>
             <a:fld id="{4A558CC7-AE26-7E43-876B-01B3BA766050}" type="datetimeFigureOut">
               <a:rPr lang="da-DK" smtClean="0"/>
-              <a:t>03/06/14</a:t>
+              <a:t>07/07/14</a:t>
             </a:fld>
             <a:endParaRPr lang="en-GB"/>
           </a:p>
@@ -1054,7 +1054,7 @@
           <a:p>
             <a:fld id="{4A558CC7-AE26-7E43-876B-01B3BA766050}" type="datetimeFigureOut">
               <a:rPr lang="da-DK" smtClean="0"/>
-              <a:t>03/06/14</a:t>
+              <a:t>07/07/14</a:t>
             </a:fld>
             <a:endParaRPr lang="en-GB"/>
           </a:p>
@@ -1342,7 +1342,7 @@
           <a:p>
             <a:fld id="{4A558CC7-AE26-7E43-876B-01B3BA766050}" type="datetimeFigureOut">
               <a:rPr lang="da-DK" smtClean="0"/>
-              <a:t>03/06/14</a:t>
+              <a:t>07/07/14</a:t>
             </a:fld>
             <a:endParaRPr lang="en-GB"/>
           </a:p>
@@ -1764,7 +1764,7 @@
           <a:p>
             <a:fld id="{4A558CC7-AE26-7E43-876B-01B3BA766050}" type="datetimeFigureOut">
               <a:rPr lang="da-DK" smtClean="0"/>
-              <a:t>03/06/14</a:t>
+              <a:t>07/07/14</a:t>
             </a:fld>
             <a:endParaRPr lang="en-GB"/>
           </a:p>
@@ -1882,7 +1882,7 @@
           <a:p>
             <a:fld id="{4A558CC7-AE26-7E43-876B-01B3BA766050}" type="datetimeFigureOut">
               <a:rPr lang="da-DK" smtClean="0"/>
-              <a:t>03/06/14</a:t>
+              <a:t>07/07/14</a:t>
             </a:fld>
             <a:endParaRPr lang="en-GB"/>
           </a:p>
@@ -1977,7 +1977,7 @@
           <a:p>
             <a:fld id="{4A558CC7-AE26-7E43-876B-01B3BA766050}" type="datetimeFigureOut">
               <a:rPr lang="da-DK" smtClean="0"/>
-              <a:t>03/06/14</a:t>
+              <a:t>07/07/14</a:t>
             </a:fld>
             <a:endParaRPr lang="en-GB"/>
           </a:p>
@@ -2254,7 +2254,7 @@
           <a:p>
             <a:fld id="{4A558CC7-AE26-7E43-876B-01B3BA766050}" type="datetimeFigureOut">
               <a:rPr lang="da-DK" smtClean="0"/>
-              <a:t>03/06/14</a:t>
+              <a:t>07/07/14</a:t>
             </a:fld>
             <a:endParaRPr lang="en-GB"/>
           </a:p>
@@ -2507,7 +2507,7 @@
           <a:p>
             <a:fld id="{4A558CC7-AE26-7E43-876B-01B3BA766050}" type="datetimeFigureOut">
               <a:rPr lang="da-DK" smtClean="0"/>
-              <a:t>03/06/14</a:t>
+              <a:t>07/07/14</a:t>
             </a:fld>
             <a:endParaRPr lang="en-GB"/>
           </a:p>
@@ -2720,7 +2720,7 @@
           <a:p>
             <a:fld id="{4A558CC7-AE26-7E43-876B-01B3BA766050}" type="datetimeFigureOut">
               <a:rPr lang="da-DK" smtClean="0"/>
-              <a:t>03/06/14</a:t>
+              <a:t>07/07/14</a:t>
             </a:fld>
             <a:endParaRPr lang="en-GB"/>
           </a:p>
@@ -3104,7 +3104,7 @@
         <p:spPr>
           <a:xfrm>
             <a:off x="771812" y="2066780"/>
-            <a:ext cx="7594747" cy="2585323"/>
+            <a:ext cx="8056412" cy="2585323"/>
           </a:xfrm>
           <a:prstGeom prst="rect">
             <a:avLst/>
@@ -3261,6 +3261,19 @@
             <a:r>
               <a:rPr lang="en-GB" dirty="0" smtClean="0">
                 <a:solidFill>
+                  <a:schemeClr val="tx2">
+                    <a:lumMod val="60000"/>
+                    <a:lumOff val="40000"/>
+                  </a:schemeClr>
+                </a:solidFill>
+                <a:latin typeface="Lucida Console"/>
+                <a:cs typeface="Lucida Console"/>
+              </a:rPr>
+              <a:t>Nat </a:t>
+            </a:r>
+            <a:r>
+              <a:rPr lang="en-GB" dirty="0" smtClean="0">
+                <a:solidFill>
                   <a:schemeClr val="accent4">
                     <a:lumMod val="60000"/>
                     <a:lumOff val="40000"/>
@@ -3271,797 +3284,710 @@
               </a:rPr>
               <a:t>3</a:t>
             </a:r>
-            <a:r>
-              <a:rPr lang="en-GB" dirty="0" smtClean="0">
-                <a:latin typeface="Lucida Console"/>
-                <a:cs typeface="Lucida Console"/>
-              </a:rPr>
-              <a:t> </a:t>
-            </a:r>
-            <a:r>
-              <a:rPr lang="en-GB" dirty="0" smtClean="0">
-                <a:solidFill>
-                  <a:schemeClr val="tx2">
-                    <a:lumMod val="60000"/>
-                    <a:lumOff val="40000"/>
-                  </a:schemeClr>
-                </a:solidFill>
-                <a:latin typeface="Lucida Console"/>
-                <a:cs typeface="Lucida Console"/>
-              </a:rPr>
-              <a:t>Nat </a:t>
-            </a:r>
-          </a:p>
-          <a:p>
-            <a:r>
-              <a:rPr lang="en-GB" dirty="0" err="1">
-                <a:solidFill>
-                  <a:schemeClr val="accent2"/>
-                </a:solidFill>
-                <a:latin typeface="Lucida Console"/>
-                <a:cs typeface="Lucida Console"/>
-              </a:rPr>
-              <a:t>exampleVec</a:t>
-            </a:r>
-            <a:r>
-              <a:rPr lang="en-GB" dirty="0">
-                <a:solidFill>
-                  <a:schemeClr val="accent2"/>
-                </a:solidFill>
-                <a:latin typeface="Lucida Console"/>
-                <a:cs typeface="Lucida Console"/>
-              </a:rPr>
-              <a:t> </a:t>
-            </a:r>
-            <a:r>
-              <a:rPr lang="en-GB" dirty="0" smtClean="0">
-                <a:latin typeface="Lucida Console"/>
-                <a:cs typeface="Lucida Console"/>
-              </a:rPr>
-              <a:t>= </a:t>
-            </a:r>
-            <a:r>
-              <a:rPr lang="en-GB" dirty="0" smtClean="0">
-                <a:solidFill>
-                  <a:schemeClr val="accent3"/>
-                </a:solidFill>
-                <a:latin typeface="Lucida Console"/>
-                <a:cs typeface="Lucida Console"/>
-              </a:rPr>
-              <a:t>Con</a:t>
-            </a:r>
-            <a:r>
-              <a:rPr lang="en-GB" dirty="0" smtClean="0">
-                <a:latin typeface="Lucida Console"/>
-                <a:cs typeface="Lucida Console"/>
-              </a:rPr>
-              <a:t> </a:t>
-            </a:r>
-            <a:r>
-              <a:rPr lang="en-GB" dirty="0" smtClean="0">
-                <a:solidFill>
-                  <a:srgbClr val="9BBB59"/>
-                </a:solidFill>
-                <a:latin typeface="Lucida Console"/>
-                <a:cs typeface="Lucida Console"/>
-              </a:rPr>
-              <a:t>(</a:t>
-            </a:r>
-            <a:r>
-              <a:rPr lang="en-GB" dirty="0" smtClean="0">
-                <a:solidFill>
-                  <a:srgbClr val="B3A2C7"/>
-                </a:solidFill>
-                <a:latin typeface="Lucida Console"/>
-                <a:cs typeface="Lucida Console"/>
-              </a:rPr>
-              <a:t>“Cons” </a:t>
-            </a:r>
-            <a:r>
-              <a:rPr lang="en-GB" dirty="0" smtClean="0">
-                <a:solidFill>
-                  <a:srgbClr val="9BBB59"/>
-                </a:solidFill>
-                <a:latin typeface="Lucida Console"/>
-                <a:cs typeface="Lucida Console"/>
-              </a:rPr>
-              <a:t>** (TS</a:t>
-            </a:r>
-            <a:r>
-              <a:rPr lang="en-GB" dirty="0" smtClean="0">
-                <a:latin typeface="Lucida Console"/>
-                <a:cs typeface="Lucida Console"/>
-              </a:rPr>
-              <a:t> </a:t>
-            </a:r>
-            <a:r>
-              <a:rPr lang="en-GB" dirty="0" smtClean="0">
-                <a:solidFill>
-                  <a:schemeClr val="accent3"/>
-                </a:solidFill>
-                <a:latin typeface="Lucida Console"/>
-                <a:cs typeface="Lucida Console"/>
-              </a:rPr>
-              <a:t>TZ</a:t>
-            </a:r>
-            <a:r>
-              <a:rPr lang="en-GB" dirty="0" smtClean="0">
-                <a:latin typeface="Lucida Console"/>
-                <a:cs typeface="Lucida Console"/>
-              </a:rPr>
-              <a:t> </a:t>
-            </a:r>
-            <a:r>
-              <a:rPr lang="en-GB" dirty="0" smtClean="0">
-                <a:solidFill>
-                  <a:srgbClr val="9BBB59"/>
-                </a:solidFill>
-                <a:latin typeface="Lucida Console"/>
-                <a:cs typeface="Lucida Console"/>
-              </a:rPr>
-              <a:t>*</a:t>
-            </a:r>
-            <a:r>
-              <a:rPr lang="en-GB" dirty="0" smtClean="0">
-                <a:solidFill>
-                  <a:srgbClr val="9BBB59"/>
-                </a:solidFill>
-                <a:latin typeface="Lucida Console"/>
-                <a:cs typeface="Lucida Console"/>
-              </a:rPr>
-              <a:t>* </a:t>
-            </a:r>
-            <a:r>
-              <a:rPr lang="en-GB" dirty="0" smtClean="0">
-                <a:solidFill>
-                  <a:srgbClr val="9BBB59"/>
-                </a:solidFill>
-                <a:latin typeface="Lucida Console"/>
-                <a:cs typeface="Lucida Console"/>
-              </a:rPr>
-              <a:t>(</a:t>
-            </a:r>
-            <a:r>
-              <a:rPr lang="en-GB" dirty="0">
-                <a:solidFill>
-                  <a:srgbClr val="B3A2C7"/>
-                </a:solidFill>
-                <a:latin typeface="Lucida Console"/>
-                <a:cs typeface="Lucida Console"/>
-              </a:rPr>
-              <a:t>2</a:t>
-            </a:r>
-            <a:r>
-              <a:rPr lang="en-GB" dirty="0">
-                <a:latin typeface="Lucida Console"/>
-                <a:cs typeface="Lucida Console"/>
-              </a:rPr>
-              <a:t> </a:t>
-            </a:r>
-            <a:r>
-              <a:rPr lang="en-GB" dirty="0">
-                <a:solidFill>
-                  <a:srgbClr val="9BBB59"/>
-                </a:solidFill>
-                <a:latin typeface="Lucida Console"/>
-                <a:cs typeface="Lucida Console"/>
-              </a:rPr>
-              <a:t>*</a:t>
-            </a:r>
-            <a:r>
-              <a:rPr lang="en-GB" dirty="0" smtClean="0">
-                <a:solidFill>
-                  <a:srgbClr val="9BBB59"/>
-                </a:solidFill>
-                <a:latin typeface="Lucida Console"/>
-                <a:cs typeface="Lucida Console"/>
-              </a:rPr>
-              <a:t>* (</a:t>
-            </a:r>
-            <a:r>
-              <a:rPr lang="en-GB" dirty="0" smtClean="0">
-                <a:solidFill>
-                  <a:srgbClr val="B3A2C7"/>
-                </a:solidFill>
-                <a:latin typeface="Lucida Console"/>
-                <a:cs typeface="Lucida Console"/>
-              </a:rPr>
-              <a:t>1</a:t>
-            </a:r>
-            <a:r>
-              <a:rPr lang="en-GB" dirty="0" smtClean="0">
-                <a:latin typeface="Lucida Console"/>
-                <a:cs typeface="Lucida Console"/>
-              </a:rPr>
-              <a:t> </a:t>
-            </a:r>
-            <a:r>
-              <a:rPr lang="en-GB" dirty="0" smtClean="0">
-                <a:solidFill>
-                  <a:srgbClr val="9BBB59"/>
-                </a:solidFill>
-                <a:latin typeface="Lucida Console"/>
-                <a:cs typeface="Lucida Console"/>
-              </a:rPr>
-              <a:t>**</a:t>
-            </a:r>
-          </a:p>
-          <a:p>
-            <a:r>
-              <a:rPr lang="en-GB" dirty="0">
-                <a:latin typeface="Lucida Console"/>
-                <a:cs typeface="Lucida Console"/>
-              </a:rPr>
-              <a:t>	</a:t>
-            </a:r>
-            <a:r>
-              <a:rPr lang="en-GB" dirty="0" smtClean="0">
-                <a:latin typeface="Lucida Console"/>
-                <a:cs typeface="Lucida Console"/>
-              </a:rPr>
-              <a:t>			 </a:t>
-            </a:r>
-            <a:r>
-              <a:rPr lang="en-GB" dirty="0" smtClean="0">
-                <a:solidFill>
-                  <a:srgbClr val="9BBB59"/>
-                </a:solidFill>
-                <a:latin typeface="Lucida Console"/>
-                <a:cs typeface="Lucida Console"/>
-              </a:rPr>
-              <a:t>(Con</a:t>
-            </a:r>
-            <a:r>
-              <a:rPr lang="en-GB" dirty="0" smtClean="0">
-                <a:latin typeface="Lucida Console"/>
-                <a:cs typeface="Lucida Console"/>
-              </a:rPr>
-              <a:t> </a:t>
-            </a:r>
-            <a:r>
-              <a:rPr lang="en-GB" dirty="0" smtClean="0">
-                <a:solidFill>
-                  <a:srgbClr val="9BBB59"/>
-                </a:solidFill>
-                <a:latin typeface="Lucida Console"/>
-                <a:cs typeface="Lucida Console"/>
-              </a:rPr>
-              <a:t>(</a:t>
-            </a:r>
-            <a:r>
-              <a:rPr lang="en-GB" dirty="0" smtClean="0">
-                <a:solidFill>
-                  <a:srgbClr val="B3A2C7"/>
-                </a:solidFill>
-                <a:latin typeface="Lucida Console"/>
-                <a:cs typeface="Lucida Console"/>
-              </a:rPr>
-              <a:t>“Cons” </a:t>
-            </a:r>
-            <a:r>
-              <a:rPr lang="en-GB" dirty="0" smtClean="0">
-                <a:solidFill>
-                  <a:srgbClr val="9BBB59"/>
-                </a:solidFill>
-                <a:latin typeface="Lucida Console"/>
-                <a:cs typeface="Lucida Console"/>
-              </a:rPr>
-              <a:t>** (TS TZ ** </a:t>
-            </a:r>
-            <a:r>
-              <a:rPr lang="en-GB" dirty="0" smtClean="0">
-                <a:solidFill>
-                  <a:srgbClr val="9BBB59"/>
-                </a:solidFill>
-                <a:latin typeface="Lucida Console"/>
-                <a:cs typeface="Lucida Console"/>
-              </a:rPr>
-              <a:t>(</a:t>
-            </a:r>
-            <a:r>
-              <a:rPr lang="en-GB" dirty="0" smtClean="0">
-                <a:solidFill>
-                  <a:srgbClr val="B3A2C7"/>
-                </a:solidFill>
-                <a:latin typeface="Lucida Console"/>
-                <a:cs typeface="Lucida Console"/>
-              </a:rPr>
-              <a:t>1</a:t>
-            </a:r>
-            <a:r>
-              <a:rPr lang="en-GB" dirty="0" smtClean="0">
-                <a:latin typeface="Lucida Console"/>
-                <a:cs typeface="Lucida Console"/>
-              </a:rPr>
-              <a:t> </a:t>
-            </a:r>
-            <a:r>
-              <a:rPr lang="en-GB" dirty="0">
-                <a:solidFill>
-                  <a:srgbClr val="9BBB59"/>
-                </a:solidFill>
-                <a:latin typeface="Lucida Console"/>
-                <a:cs typeface="Lucida Console"/>
-              </a:rPr>
-              <a:t>** (</a:t>
-            </a:r>
-            <a:r>
-              <a:rPr lang="en-GB" dirty="0" smtClean="0">
-                <a:solidFill>
-                  <a:srgbClr val="B3A2C7"/>
-                </a:solidFill>
-                <a:latin typeface="Lucida Console"/>
-                <a:cs typeface="Lucida Console"/>
-              </a:rPr>
-              <a:t>2</a:t>
-            </a:r>
-            <a:r>
-              <a:rPr lang="en-GB" dirty="0" smtClean="0">
-                <a:latin typeface="Lucida Console"/>
-                <a:cs typeface="Lucida Console"/>
-              </a:rPr>
-              <a:t> </a:t>
-            </a:r>
-            <a:r>
-              <a:rPr lang="en-GB" dirty="0" smtClean="0">
-                <a:solidFill>
-                  <a:srgbClr val="9BBB59"/>
-                </a:solidFill>
-                <a:latin typeface="Lucida Console"/>
-                <a:cs typeface="Lucida Console"/>
-              </a:rPr>
-              <a:t>**</a:t>
-            </a:r>
-          </a:p>
-          <a:p>
-            <a:r>
-              <a:rPr lang="en-GB" dirty="0" smtClean="0">
-                <a:latin typeface="Lucida Console"/>
-                <a:cs typeface="Lucida Console"/>
-              </a:rPr>
-              <a:t>				   </a:t>
-            </a:r>
-            <a:r>
-              <a:rPr lang="en-GB" dirty="0" smtClean="0">
-                <a:solidFill>
-                  <a:srgbClr val="9BBB59"/>
-                </a:solidFill>
-                <a:latin typeface="Lucida Console"/>
-                <a:cs typeface="Lucida Console"/>
-              </a:rPr>
-              <a:t>(Con</a:t>
-            </a:r>
-            <a:r>
-              <a:rPr lang="en-GB" dirty="0" smtClean="0">
-                <a:latin typeface="Lucida Console"/>
-                <a:cs typeface="Lucida Console"/>
-              </a:rPr>
-              <a:t> </a:t>
-            </a:r>
-            <a:r>
-              <a:rPr lang="en-GB" dirty="0" smtClean="0">
-                <a:solidFill>
-                  <a:srgbClr val="9BBB59"/>
-                </a:solidFill>
-                <a:latin typeface="Lucida Console"/>
-                <a:cs typeface="Lucida Console"/>
-              </a:rPr>
-              <a:t>(</a:t>
-            </a:r>
-            <a:r>
-              <a:rPr lang="en-GB" dirty="0" smtClean="0">
-                <a:solidFill>
-                  <a:srgbClr val="B3A2C7"/>
-                </a:solidFill>
-                <a:latin typeface="Lucida Console"/>
-                <a:cs typeface="Lucida Console"/>
-              </a:rPr>
-              <a:t>“Cons” </a:t>
-            </a:r>
-            <a:r>
-              <a:rPr lang="en-GB" dirty="0" smtClean="0">
-                <a:solidFill>
-                  <a:srgbClr val="9BBB59"/>
-                </a:solidFill>
-                <a:latin typeface="Lucida Console"/>
-                <a:cs typeface="Lucida Console"/>
-              </a:rPr>
-              <a:t>** </a:t>
-            </a:r>
-            <a:r>
-              <a:rPr lang="en-GB" dirty="0">
-                <a:solidFill>
-                  <a:srgbClr val="9BBB59"/>
-                </a:solidFill>
-                <a:latin typeface="Lucida Console"/>
-                <a:cs typeface="Lucida Console"/>
-              </a:rPr>
-              <a:t>(TS </a:t>
-            </a:r>
-            <a:r>
-              <a:rPr lang="en-GB" dirty="0" smtClean="0">
-                <a:solidFill>
-                  <a:srgbClr val="9BBB59"/>
-                </a:solidFill>
-                <a:latin typeface="Lucida Console"/>
-                <a:cs typeface="Lucida Console"/>
-              </a:rPr>
-              <a:t>TZ</a:t>
-            </a:r>
-            <a:r>
-              <a:rPr lang="en-GB" dirty="0" smtClean="0">
-                <a:latin typeface="Lucida Console"/>
-                <a:cs typeface="Lucida Console"/>
-              </a:rPr>
-              <a:t> </a:t>
-            </a:r>
-            <a:r>
-              <a:rPr lang="en-GB" dirty="0" smtClean="0">
-                <a:solidFill>
-                  <a:srgbClr val="9BBB59"/>
-                </a:solidFill>
-                <a:latin typeface="Lucida Console"/>
-                <a:cs typeface="Lucida Console"/>
-              </a:rPr>
-              <a:t>** </a:t>
-            </a:r>
-            <a:r>
-              <a:rPr lang="en-GB" dirty="0" smtClean="0">
-                <a:solidFill>
-                  <a:srgbClr val="9BBB59"/>
-                </a:solidFill>
-                <a:latin typeface="Lucida Console"/>
-                <a:cs typeface="Lucida Console"/>
-              </a:rPr>
-              <a:t>(</a:t>
-            </a:r>
-            <a:r>
-              <a:rPr lang="en-GB" dirty="0" smtClean="0">
-                <a:solidFill>
-                  <a:srgbClr val="B3A2C7"/>
-                </a:solidFill>
-                <a:latin typeface="Lucida Console"/>
-                <a:cs typeface="Lucida Console"/>
-              </a:rPr>
-              <a:t>0</a:t>
-            </a:r>
-            <a:r>
-              <a:rPr lang="en-GB" dirty="0" smtClean="0">
-                <a:latin typeface="Lucida Console"/>
-                <a:cs typeface="Lucida Console"/>
-              </a:rPr>
-              <a:t> </a:t>
-            </a:r>
-            <a:r>
-              <a:rPr lang="en-GB" dirty="0">
-                <a:solidFill>
-                  <a:srgbClr val="9BBB59"/>
-                </a:solidFill>
-                <a:latin typeface="Lucida Console"/>
-                <a:cs typeface="Lucida Console"/>
-              </a:rPr>
-              <a:t>** (</a:t>
-            </a:r>
-            <a:r>
-              <a:rPr lang="en-GB" dirty="0" smtClean="0">
-                <a:solidFill>
-                  <a:srgbClr val="B3A2C7"/>
-                </a:solidFill>
-                <a:latin typeface="Lucida Console"/>
-                <a:cs typeface="Lucida Console"/>
-              </a:rPr>
-              <a:t>3</a:t>
-            </a:r>
-            <a:r>
-              <a:rPr lang="en-GB" dirty="0" smtClean="0">
-                <a:latin typeface="Lucida Console"/>
-                <a:cs typeface="Lucida Console"/>
-              </a:rPr>
-              <a:t> </a:t>
-            </a:r>
-            <a:r>
-              <a:rPr lang="en-GB" dirty="0" smtClean="0">
-                <a:solidFill>
-                  <a:srgbClr val="9BBB59"/>
-                </a:solidFill>
-                <a:latin typeface="Lucida Console"/>
-                <a:cs typeface="Lucida Console"/>
-              </a:rPr>
-              <a:t>**</a:t>
-            </a:r>
-          </a:p>
-          <a:p>
-            <a:r>
-              <a:rPr lang="en-GB" dirty="0">
-                <a:latin typeface="Lucida Console"/>
-                <a:cs typeface="Lucida Console"/>
-              </a:rPr>
-              <a:t>	</a:t>
-            </a:r>
-            <a:r>
-              <a:rPr lang="en-GB" dirty="0" smtClean="0">
-                <a:latin typeface="Lucida Console"/>
-                <a:cs typeface="Lucida Console"/>
-              </a:rPr>
-              <a:t>				  </a:t>
-            </a:r>
-            <a:r>
-              <a:rPr lang="en-GB" dirty="0" smtClean="0">
-                <a:solidFill>
-                  <a:srgbClr val="9BBB59"/>
-                </a:solidFill>
-                <a:latin typeface="Lucida Console"/>
-                <a:cs typeface="Lucida Console"/>
-              </a:rPr>
-              <a:t>(Con</a:t>
-            </a:r>
-            <a:r>
-              <a:rPr lang="en-GB" dirty="0" smtClean="0">
-                <a:latin typeface="Lucida Console"/>
-                <a:cs typeface="Lucida Console"/>
-              </a:rPr>
-              <a:t> </a:t>
-            </a:r>
-            <a:r>
-              <a:rPr lang="en-GB" dirty="0" smtClean="0">
-                <a:solidFill>
-                  <a:srgbClr val="9BBB59"/>
-                </a:solidFill>
-                <a:latin typeface="Lucida Console"/>
-                <a:cs typeface="Lucida Console"/>
-              </a:rPr>
-              <a:t>(</a:t>
-            </a:r>
-            <a:r>
-              <a:rPr lang="en-GB" dirty="0" smtClean="0">
-                <a:solidFill>
-                  <a:srgbClr val="B3A2C7"/>
-                </a:solidFill>
-                <a:latin typeface="Lucida Console"/>
-                <a:cs typeface="Lucida Console"/>
-              </a:rPr>
-              <a:t>“Nil” </a:t>
-            </a:r>
-            <a:r>
-              <a:rPr lang="en-GB" dirty="0" smtClean="0">
-                <a:solidFill>
-                  <a:srgbClr val="9BBB59"/>
-                </a:solidFill>
-                <a:latin typeface="Lucida Console"/>
-                <a:cs typeface="Lucida Console"/>
-              </a:rPr>
-              <a:t>(TZ *</a:t>
-            </a:r>
-            <a:r>
-              <a:rPr lang="en-GB" dirty="0" smtClean="0">
-                <a:solidFill>
-                  <a:srgbClr val="9BBB59"/>
-                </a:solidFill>
-                <a:latin typeface="Lucida Console"/>
-                <a:cs typeface="Lucida Console"/>
-              </a:rPr>
-              <a:t>*</a:t>
-            </a:r>
-            <a:r>
-              <a:rPr lang="en-GB" dirty="0" smtClean="0">
-                <a:latin typeface="Lucida Console"/>
-                <a:cs typeface="Lucida Console"/>
-              </a:rPr>
-              <a:t> </a:t>
-            </a:r>
-            <a:r>
-              <a:rPr lang="en-GB" dirty="0" err="1" smtClean="0">
-                <a:solidFill>
-                  <a:srgbClr val="9BBB59"/>
-                </a:solidFill>
-                <a:latin typeface="Lucida Console"/>
-                <a:cs typeface="Lucida Console"/>
-              </a:rPr>
-              <a:t>Refl</a:t>
-            </a:r>
-            <a:r>
-              <a:rPr lang="en-GB" dirty="0" smtClean="0">
-                <a:solidFill>
-                  <a:srgbClr val="9BBB59"/>
-                </a:solidFill>
-                <a:latin typeface="Lucida Console"/>
-                <a:cs typeface="Lucida Console"/>
-              </a:rPr>
-              <a:t>)) </a:t>
-            </a:r>
-            <a:r>
-              <a:rPr lang="en-GB" dirty="0" smtClean="0">
-                <a:solidFill>
-                  <a:srgbClr val="9BBB59"/>
-                </a:solidFill>
-                <a:latin typeface="Lucida Console"/>
-                <a:cs typeface="Lucida Console"/>
-              </a:rPr>
-              <a:t>** </a:t>
-            </a:r>
-            <a:r>
-              <a:rPr lang="en-GB" dirty="0" err="1" smtClean="0">
-                <a:solidFill>
-                  <a:srgbClr val="9BBB59"/>
-                </a:solidFill>
-                <a:latin typeface="Lucida Console"/>
-                <a:cs typeface="Lucida Console"/>
-              </a:rPr>
-              <a:t>Refl</a:t>
-            </a:r>
-            <a:r>
-              <a:rPr lang="en-GB" dirty="0" smtClean="0">
-                <a:solidFill>
-                  <a:srgbClr val="9BBB59"/>
-                </a:solidFill>
-                <a:latin typeface="Lucida Console"/>
-                <a:cs typeface="Lucida Console"/>
-              </a:rPr>
-              <a:t>)</a:t>
-            </a:r>
-          </a:p>
-          <a:p>
-            <a:r>
-              <a:rPr lang="en-GB" dirty="0">
-                <a:solidFill>
-                  <a:srgbClr val="9BBB59"/>
-                </a:solidFill>
-                <a:latin typeface="Lucida Console"/>
-                <a:cs typeface="Lucida Console"/>
-              </a:rPr>
-              <a:t> </a:t>
-            </a:r>
-            <a:r>
-              <a:rPr lang="en-GB" dirty="0" smtClean="0">
-                <a:solidFill>
-                  <a:srgbClr val="9BBB59"/>
-                </a:solidFill>
-                <a:latin typeface="Lucida Console"/>
-                <a:cs typeface="Lucida Console"/>
-              </a:rPr>
-              <a:t>                  ))</a:t>
-            </a:r>
-            <a:r>
-              <a:rPr lang="en-GB" dirty="0" smtClean="0">
-                <a:solidFill>
-                  <a:srgbClr val="9BBB59"/>
-                </a:solidFill>
-                <a:latin typeface="Lucida Console"/>
-                <a:cs typeface="Lucida Console"/>
-              </a:rPr>
-              <a:t>)) </a:t>
-            </a:r>
-            <a:r>
-              <a:rPr lang="en-GB" dirty="0" smtClean="0">
-                <a:solidFill>
-                  <a:srgbClr val="9BBB59"/>
-                </a:solidFill>
-                <a:latin typeface="Lucida Console"/>
-                <a:cs typeface="Lucida Console"/>
-              </a:rPr>
-              <a:t>** </a:t>
-            </a:r>
-            <a:r>
-              <a:rPr lang="en-GB" dirty="0" err="1" smtClean="0">
-                <a:solidFill>
-                  <a:srgbClr val="9BBB59"/>
-                </a:solidFill>
-                <a:latin typeface="Lucida Console"/>
-                <a:cs typeface="Lucida Console"/>
-              </a:rPr>
-              <a:t>Refl</a:t>
-            </a:r>
-            <a:r>
-              <a:rPr lang="en-GB" dirty="0" smtClean="0">
-                <a:solidFill>
-                  <a:srgbClr val="9BBB59"/>
-                </a:solidFill>
-                <a:latin typeface="Lucida Console"/>
-                <a:cs typeface="Lucida Console"/>
-              </a:rPr>
-              <a:t>)</a:t>
-            </a:r>
-          </a:p>
-          <a:p>
-            <a:r>
-              <a:rPr lang="en-GB" dirty="0">
-                <a:solidFill>
-                  <a:srgbClr val="9BBB59"/>
-                </a:solidFill>
-                <a:latin typeface="Lucida Console"/>
-                <a:cs typeface="Lucida Console"/>
-              </a:rPr>
-              <a:t> </a:t>
-            </a:r>
-            <a:r>
-              <a:rPr lang="en-GB" dirty="0" smtClean="0">
-                <a:solidFill>
-                  <a:srgbClr val="9BBB59"/>
-                </a:solidFill>
-                <a:latin typeface="Lucida Console"/>
-                <a:cs typeface="Lucida Console"/>
-              </a:rPr>
-              <a:t>               ))</a:t>
-            </a:r>
-            <a:r>
-              <a:rPr lang="en-GB" dirty="0" smtClean="0">
-                <a:solidFill>
-                  <a:srgbClr val="9BBB59"/>
-                </a:solidFill>
-                <a:latin typeface="Lucida Console"/>
-                <a:cs typeface="Lucida Console"/>
-              </a:rPr>
-              <a:t>)) </a:t>
-            </a:r>
-            <a:r>
-              <a:rPr lang="en-GB" dirty="0" smtClean="0">
-                <a:solidFill>
-                  <a:srgbClr val="9BBB59"/>
-                </a:solidFill>
-                <a:latin typeface="Lucida Console"/>
-                <a:cs typeface="Lucida Console"/>
-              </a:rPr>
-              <a:t>** </a:t>
-            </a:r>
-            <a:r>
-              <a:rPr lang="en-GB" dirty="0" err="1" smtClean="0">
-                <a:solidFill>
-                  <a:srgbClr val="9BBB59"/>
-                </a:solidFill>
-                <a:latin typeface="Lucida Console"/>
-                <a:cs typeface="Lucida Console"/>
-              </a:rPr>
-              <a:t>Refl</a:t>
-            </a:r>
-            <a:r>
-              <a:rPr lang="en-GB" dirty="0" smtClean="0">
-                <a:solidFill>
-                  <a:srgbClr val="9BBB59"/>
-                </a:solidFill>
-                <a:latin typeface="Lucida Console"/>
-                <a:cs typeface="Lucida Console"/>
-              </a:rPr>
-              <a:t>)</a:t>
-            </a:r>
-          </a:p>
-          <a:p>
-            <a:r>
-              <a:rPr lang="en-GB" dirty="0">
-                <a:solidFill>
-                  <a:srgbClr val="9BBB59"/>
-                </a:solidFill>
-                <a:latin typeface="Lucida Console"/>
-                <a:cs typeface="Lucida Console"/>
-              </a:rPr>
-              <a:t> </a:t>
-            </a:r>
-            <a:r>
-              <a:rPr lang="en-GB" dirty="0" smtClean="0">
-                <a:solidFill>
-                  <a:srgbClr val="9BBB59"/>
-                </a:solidFill>
-                <a:latin typeface="Lucida Console"/>
-                <a:cs typeface="Lucida Console"/>
-              </a:rPr>
-              <a:t>             ))</a:t>
-            </a:r>
-            <a:r>
-              <a:rPr lang="en-GB" dirty="0" smtClean="0">
-                <a:solidFill>
-                  <a:srgbClr val="9BBB59"/>
-                </a:solidFill>
-                <a:latin typeface="Lucida Console"/>
-                <a:cs typeface="Lucida Console"/>
-              </a:rPr>
-              <a:t>))</a:t>
-            </a:r>
             <a:endParaRPr lang="en-GB" dirty="0" smtClean="0">
               <a:solidFill>
-                <a:srgbClr val="9BBB59"/>
+                <a:schemeClr val="tx2">
+                  <a:lumMod val="60000"/>
+                  <a:lumOff val="40000"/>
+                </a:schemeClr>
               </a:solidFill>
               <a:latin typeface="Lucida Console"/>
               <a:cs typeface="Lucida Console"/>
             </a:endParaRPr>
+          </a:p>
+          <a:p>
+            <a:r>
+              <a:rPr lang="en-GB" dirty="0" err="1">
+                <a:solidFill>
+                  <a:schemeClr val="accent2"/>
+                </a:solidFill>
+                <a:latin typeface="Lucida Console"/>
+                <a:cs typeface="Lucida Console"/>
+              </a:rPr>
+              <a:t>exampleVec</a:t>
+            </a:r>
+            <a:r>
+              <a:rPr lang="en-GB" dirty="0">
+                <a:solidFill>
+                  <a:schemeClr val="accent2"/>
+                </a:solidFill>
+                <a:latin typeface="Lucida Console"/>
+                <a:cs typeface="Lucida Console"/>
+              </a:rPr>
+              <a:t> </a:t>
+            </a:r>
+            <a:r>
+              <a:rPr lang="en-GB" dirty="0" smtClean="0">
+                <a:latin typeface="Lucida Console"/>
+                <a:cs typeface="Lucida Console"/>
+              </a:rPr>
+              <a:t>= </a:t>
+            </a:r>
+            <a:r>
+              <a:rPr lang="en-GB" dirty="0" smtClean="0">
+                <a:solidFill>
+                  <a:schemeClr val="accent3"/>
+                </a:solidFill>
+                <a:latin typeface="Lucida Console"/>
+                <a:cs typeface="Lucida Console"/>
+              </a:rPr>
+              <a:t>Con</a:t>
+            </a:r>
+            <a:r>
+              <a:rPr lang="en-GB" dirty="0" smtClean="0">
+                <a:latin typeface="Lucida Console"/>
+                <a:cs typeface="Lucida Console"/>
+              </a:rPr>
+              <a:t> </a:t>
+            </a:r>
+            <a:r>
+              <a:rPr lang="en-GB" dirty="0" smtClean="0">
+                <a:solidFill>
+                  <a:srgbClr val="9BBB59"/>
+                </a:solidFill>
+                <a:latin typeface="Lucida Console"/>
+                <a:cs typeface="Lucida Console"/>
+              </a:rPr>
+              <a:t>(</a:t>
+            </a:r>
+            <a:r>
+              <a:rPr lang="en-GB" dirty="0" smtClean="0">
+                <a:solidFill>
+                  <a:srgbClr val="B3A2C7"/>
+                </a:solidFill>
+                <a:latin typeface="Lucida Console"/>
+                <a:cs typeface="Lucida Console"/>
+              </a:rPr>
+              <a:t>“Cons” </a:t>
+            </a:r>
+            <a:r>
+              <a:rPr lang="en-GB" dirty="0" smtClean="0">
+                <a:solidFill>
+                  <a:srgbClr val="9BBB59"/>
+                </a:solidFill>
+                <a:latin typeface="Lucida Console"/>
+                <a:cs typeface="Lucida Console"/>
+              </a:rPr>
+              <a:t>** (TS</a:t>
+            </a:r>
+            <a:r>
+              <a:rPr lang="en-GB" dirty="0" smtClean="0">
+                <a:latin typeface="Lucida Console"/>
+                <a:cs typeface="Lucida Console"/>
+              </a:rPr>
+              <a:t> </a:t>
+            </a:r>
+            <a:r>
+              <a:rPr lang="en-GB" dirty="0" smtClean="0">
+                <a:solidFill>
+                  <a:schemeClr val="accent3"/>
+                </a:solidFill>
+                <a:latin typeface="Lucida Console"/>
+                <a:cs typeface="Lucida Console"/>
+              </a:rPr>
+              <a:t>TZ</a:t>
+            </a:r>
+            <a:r>
+              <a:rPr lang="en-GB" dirty="0" smtClean="0">
+                <a:latin typeface="Lucida Console"/>
+                <a:cs typeface="Lucida Console"/>
+              </a:rPr>
+              <a:t> </a:t>
+            </a:r>
+            <a:r>
+              <a:rPr lang="en-GB" dirty="0" smtClean="0">
+                <a:solidFill>
+                  <a:srgbClr val="9BBB59"/>
+                </a:solidFill>
+                <a:latin typeface="Lucida Console"/>
+                <a:cs typeface="Lucida Console"/>
+              </a:rPr>
+              <a:t>** (</a:t>
+            </a:r>
+            <a:r>
+              <a:rPr lang="en-GB" dirty="0">
+                <a:solidFill>
+                  <a:srgbClr val="B3A2C7"/>
+                </a:solidFill>
+                <a:latin typeface="Lucida Console"/>
+                <a:cs typeface="Lucida Console"/>
+              </a:rPr>
+              <a:t>2</a:t>
+            </a:r>
+            <a:r>
+              <a:rPr lang="en-GB" dirty="0">
+                <a:latin typeface="Lucida Console"/>
+                <a:cs typeface="Lucida Console"/>
+              </a:rPr>
+              <a:t> </a:t>
+            </a:r>
+            <a:r>
+              <a:rPr lang="en-GB" dirty="0">
+                <a:solidFill>
+                  <a:srgbClr val="9BBB59"/>
+                </a:solidFill>
+                <a:latin typeface="Lucida Console"/>
+                <a:cs typeface="Lucida Console"/>
+              </a:rPr>
+              <a:t>*</a:t>
+            </a:r>
+            <a:r>
+              <a:rPr lang="en-GB" dirty="0" smtClean="0">
+                <a:solidFill>
+                  <a:srgbClr val="9BBB59"/>
+                </a:solidFill>
+                <a:latin typeface="Lucida Console"/>
+                <a:cs typeface="Lucida Console"/>
+              </a:rPr>
+              <a:t>* (</a:t>
+            </a:r>
+            <a:r>
+              <a:rPr lang="en-GB" dirty="0" smtClean="0">
+                <a:solidFill>
+                  <a:srgbClr val="B3A2C7"/>
+                </a:solidFill>
+                <a:latin typeface="Lucida Console"/>
+                <a:cs typeface="Lucida Console"/>
+              </a:rPr>
+              <a:t>1</a:t>
+            </a:r>
+            <a:r>
+              <a:rPr lang="en-GB" dirty="0" smtClean="0">
+                <a:latin typeface="Lucida Console"/>
+                <a:cs typeface="Lucida Console"/>
+              </a:rPr>
+              <a:t> </a:t>
+            </a:r>
+            <a:r>
+              <a:rPr lang="en-GB" dirty="0" smtClean="0">
+                <a:solidFill>
+                  <a:srgbClr val="9BBB59"/>
+                </a:solidFill>
+                <a:latin typeface="Lucida Console"/>
+                <a:cs typeface="Lucida Console"/>
+              </a:rPr>
+              <a:t>**</a:t>
+            </a:r>
+          </a:p>
+          <a:p>
+            <a:r>
+              <a:rPr lang="en-GB" dirty="0">
+                <a:latin typeface="Lucida Console"/>
+                <a:cs typeface="Lucida Console"/>
+              </a:rPr>
+              <a:t>	</a:t>
+            </a:r>
+            <a:r>
+              <a:rPr lang="en-GB" dirty="0" smtClean="0">
+                <a:latin typeface="Lucida Console"/>
+                <a:cs typeface="Lucida Console"/>
+              </a:rPr>
+              <a:t>			 </a:t>
+            </a:r>
+            <a:r>
+              <a:rPr lang="en-GB" dirty="0" smtClean="0">
+                <a:solidFill>
+                  <a:srgbClr val="9BBB59"/>
+                </a:solidFill>
+                <a:latin typeface="Lucida Console"/>
+                <a:cs typeface="Lucida Console"/>
+              </a:rPr>
+              <a:t>(Con</a:t>
+            </a:r>
+            <a:r>
+              <a:rPr lang="en-GB" dirty="0" smtClean="0">
+                <a:latin typeface="Lucida Console"/>
+                <a:cs typeface="Lucida Console"/>
+              </a:rPr>
+              <a:t> </a:t>
+            </a:r>
+            <a:r>
+              <a:rPr lang="en-GB" dirty="0" smtClean="0">
+                <a:solidFill>
+                  <a:srgbClr val="9BBB59"/>
+                </a:solidFill>
+                <a:latin typeface="Lucida Console"/>
+                <a:cs typeface="Lucida Console"/>
+              </a:rPr>
+              <a:t>(</a:t>
+            </a:r>
+            <a:r>
+              <a:rPr lang="en-GB" dirty="0" smtClean="0">
+                <a:solidFill>
+                  <a:srgbClr val="B3A2C7"/>
+                </a:solidFill>
+                <a:latin typeface="Lucida Console"/>
+                <a:cs typeface="Lucida Console"/>
+              </a:rPr>
+              <a:t>“Cons” </a:t>
+            </a:r>
+            <a:r>
+              <a:rPr lang="en-GB" dirty="0" smtClean="0">
+                <a:solidFill>
+                  <a:srgbClr val="9BBB59"/>
+                </a:solidFill>
+                <a:latin typeface="Lucida Console"/>
+                <a:cs typeface="Lucida Console"/>
+              </a:rPr>
+              <a:t>** (TS TZ ** (</a:t>
+            </a:r>
+            <a:r>
+              <a:rPr lang="en-GB" dirty="0" smtClean="0">
+                <a:solidFill>
+                  <a:srgbClr val="B3A2C7"/>
+                </a:solidFill>
+                <a:latin typeface="Lucida Console"/>
+                <a:cs typeface="Lucida Console"/>
+              </a:rPr>
+              <a:t>1</a:t>
+            </a:r>
+            <a:r>
+              <a:rPr lang="en-GB" dirty="0" smtClean="0">
+                <a:latin typeface="Lucida Console"/>
+                <a:cs typeface="Lucida Console"/>
+              </a:rPr>
+              <a:t> </a:t>
+            </a:r>
+            <a:r>
+              <a:rPr lang="en-GB" dirty="0">
+                <a:solidFill>
+                  <a:srgbClr val="9BBB59"/>
+                </a:solidFill>
+                <a:latin typeface="Lucida Console"/>
+                <a:cs typeface="Lucida Console"/>
+              </a:rPr>
+              <a:t>** (</a:t>
+            </a:r>
+            <a:r>
+              <a:rPr lang="en-GB" dirty="0" smtClean="0">
+                <a:solidFill>
+                  <a:srgbClr val="B3A2C7"/>
+                </a:solidFill>
+                <a:latin typeface="Lucida Console"/>
+                <a:cs typeface="Lucida Console"/>
+              </a:rPr>
+              <a:t>2</a:t>
+            </a:r>
+            <a:r>
+              <a:rPr lang="en-GB" dirty="0" smtClean="0">
+                <a:latin typeface="Lucida Console"/>
+                <a:cs typeface="Lucida Console"/>
+              </a:rPr>
+              <a:t> </a:t>
+            </a:r>
+            <a:r>
+              <a:rPr lang="en-GB" dirty="0" smtClean="0">
+                <a:solidFill>
+                  <a:srgbClr val="9BBB59"/>
+                </a:solidFill>
+                <a:latin typeface="Lucida Console"/>
+                <a:cs typeface="Lucida Console"/>
+              </a:rPr>
+              <a:t>**</a:t>
+            </a:r>
+          </a:p>
+          <a:p>
+            <a:r>
+              <a:rPr lang="en-GB" dirty="0" smtClean="0">
+                <a:latin typeface="Lucida Console"/>
+                <a:cs typeface="Lucida Console"/>
+              </a:rPr>
+              <a:t>				   </a:t>
+            </a:r>
+            <a:r>
+              <a:rPr lang="en-GB" dirty="0" smtClean="0">
+                <a:solidFill>
+                  <a:srgbClr val="9BBB59"/>
+                </a:solidFill>
+                <a:latin typeface="Lucida Console"/>
+                <a:cs typeface="Lucida Console"/>
+              </a:rPr>
+              <a:t>(Con</a:t>
+            </a:r>
+            <a:r>
+              <a:rPr lang="en-GB" dirty="0" smtClean="0">
+                <a:latin typeface="Lucida Console"/>
+                <a:cs typeface="Lucida Console"/>
+              </a:rPr>
+              <a:t> </a:t>
+            </a:r>
+            <a:r>
+              <a:rPr lang="en-GB" dirty="0" smtClean="0">
+                <a:solidFill>
+                  <a:srgbClr val="9BBB59"/>
+                </a:solidFill>
+                <a:latin typeface="Lucida Console"/>
+                <a:cs typeface="Lucida Console"/>
+              </a:rPr>
+              <a:t>(</a:t>
+            </a:r>
+            <a:r>
+              <a:rPr lang="en-GB" dirty="0" smtClean="0">
+                <a:solidFill>
+                  <a:srgbClr val="B3A2C7"/>
+                </a:solidFill>
+                <a:latin typeface="Lucida Console"/>
+                <a:cs typeface="Lucida Console"/>
+              </a:rPr>
+              <a:t>“Cons” </a:t>
+            </a:r>
+            <a:r>
+              <a:rPr lang="en-GB" dirty="0" smtClean="0">
+                <a:solidFill>
+                  <a:srgbClr val="9BBB59"/>
+                </a:solidFill>
+                <a:latin typeface="Lucida Console"/>
+                <a:cs typeface="Lucida Console"/>
+              </a:rPr>
+              <a:t>** </a:t>
+            </a:r>
+            <a:r>
+              <a:rPr lang="en-GB" dirty="0">
+                <a:solidFill>
+                  <a:srgbClr val="9BBB59"/>
+                </a:solidFill>
+                <a:latin typeface="Lucida Console"/>
+                <a:cs typeface="Lucida Console"/>
+              </a:rPr>
+              <a:t>(TS </a:t>
+            </a:r>
+            <a:r>
+              <a:rPr lang="en-GB" dirty="0" smtClean="0">
+                <a:solidFill>
+                  <a:srgbClr val="9BBB59"/>
+                </a:solidFill>
+                <a:latin typeface="Lucida Console"/>
+                <a:cs typeface="Lucida Console"/>
+              </a:rPr>
+              <a:t>TZ</a:t>
+            </a:r>
+            <a:r>
+              <a:rPr lang="en-GB" dirty="0" smtClean="0">
+                <a:latin typeface="Lucida Console"/>
+                <a:cs typeface="Lucida Console"/>
+              </a:rPr>
+              <a:t> </a:t>
+            </a:r>
+            <a:r>
+              <a:rPr lang="en-GB" dirty="0" smtClean="0">
+                <a:solidFill>
+                  <a:srgbClr val="9BBB59"/>
+                </a:solidFill>
+                <a:latin typeface="Lucida Console"/>
+                <a:cs typeface="Lucida Console"/>
+              </a:rPr>
+              <a:t>** (</a:t>
+            </a:r>
+            <a:r>
+              <a:rPr lang="en-GB" dirty="0" smtClean="0">
+                <a:solidFill>
+                  <a:srgbClr val="B3A2C7"/>
+                </a:solidFill>
+                <a:latin typeface="Lucida Console"/>
+                <a:cs typeface="Lucida Console"/>
+              </a:rPr>
+              <a:t>0</a:t>
+            </a:r>
+            <a:r>
+              <a:rPr lang="en-GB" dirty="0" smtClean="0">
+                <a:latin typeface="Lucida Console"/>
+                <a:cs typeface="Lucida Console"/>
+              </a:rPr>
+              <a:t> </a:t>
+            </a:r>
+            <a:r>
+              <a:rPr lang="en-GB" dirty="0">
+                <a:solidFill>
+                  <a:srgbClr val="9BBB59"/>
+                </a:solidFill>
+                <a:latin typeface="Lucida Console"/>
+                <a:cs typeface="Lucida Console"/>
+              </a:rPr>
+              <a:t>** (</a:t>
+            </a:r>
+            <a:r>
+              <a:rPr lang="en-GB" dirty="0" smtClean="0">
+                <a:solidFill>
+                  <a:srgbClr val="B3A2C7"/>
+                </a:solidFill>
+                <a:latin typeface="Lucida Console"/>
+                <a:cs typeface="Lucida Console"/>
+              </a:rPr>
+              <a:t>3</a:t>
+            </a:r>
+            <a:r>
+              <a:rPr lang="en-GB" dirty="0" smtClean="0">
+                <a:latin typeface="Lucida Console"/>
+                <a:cs typeface="Lucida Console"/>
+              </a:rPr>
+              <a:t> </a:t>
+            </a:r>
+            <a:r>
+              <a:rPr lang="en-GB" dirty="0" smtClean="0">
+                <a:solidFill>
+                  <a:srgbClr val="9BBB59"/>
+                </a:solidFill>
+                <a:latin typeface="Lucida Console"/>
+                <a:cs typeface="Lucida Console"/>
+              </a:rPr>
+              <a:t>**</a:t>
+            </a:r>
+          </a:p>
+          <a:p>
+            <a:r>
+              <a:rPr lang="en-GB" dirty="0">
+                <a:latin typeface="Lucida Console"/>
+                <a:cs typeface="Lucida Console"/>
+              </a:rPr>
+              <a:t>	</a:t>
+            </a:r>
+            <a:r>
+              <a:rPr lang="en-GB" dirty="0" smtClean="0">
+                <a:latin typeface="Lucida Console"/>
+                <a:cs typeface="Lucida Console"/>
+              </a:rPr>
+              <a:t>				  </a:t>
+            </a:r>
+            <a:r>
+              <a:rPr lang="en-GB" dirty="0" smtClean="0">
+                <a:solidFill>
+                  <a:srgbClr val="9BBB59"/>
+                </a:solidFill>
+                <a:latin typeface="Lucida Console"/>
+                <a:cs typeface="Lucida Console"/>
+              </a:rPr>
+              <a:t>(Con</a:t>
+            </a:r>
+            <a:r>
+              <a:rPr lang="en-GB" dirty="0" smtClean="0">
+                <a:latin typeface="Lucida Console"/>
+                <a:cs typeface="Lucida Console"/>
+              </a:rPr>
+              <a:t> </a:t>
+            </a:r>
+            <a:r>
+              <a:rPr lang="en-GB" dirty="0" smtClean="0">
+                <a:solidFill>
+                  <a:srgbClr val="9BBB59"/>
+                </a:solidFill>
+                <a:latin typeface="Lucida Console"/>
+                <a:cs typeface="Lucida Console"/>
+              </a:rPr>
+              <a:t>(</a:t>
+            </a:r>
+            <a:r>
+              <a:rPr lang="en-GB" dirty="0" smtClean="0">
+                <a:solidFill>
+                  <a:srgbClr val="B3A2C7"/>
+                </a:solidFill>
+                <a:latin typeface="Lucida Console"/>
+                <a:cs typeface="Lucida Console"/>
+              </a:rPr>
+              <a:t>“Nil</a:t>
+            </a:r>
+            <a:r>
+              <a:rPr lang="en-GB" dirty="0" smtClean="0">
+                <a:solidFill>
+                  <a:srgbClr val="B3A2C7"/>
+                </a:solidFill>
+                <a:latin typeface="Lucida Console"/>
+                <a:cs typeface="Lucida Console"/>
+              </a:rPr>
+              <a:t>” </a:t>
+            </a:r>
+            <a:r>
+              <a:rPr lang="en-GB" dirty="0">
+                <a:solidFill>
+                  <a:srgbClr val="9BBB59"/>
+                </a:solidFill>
+                <a:latin typeface="Lucida Console"/>
+                <a:cs typeface="Lucida Console"/>
+              </a:rPr>
+              <a:t>*</a:t>
+            </a:r>
+            <a:r>
+              <a:rPr lang="en-GB" dirty="0" smtClean="0">
+                <a:solidFill>
+                  <a:srgbClr val="9BBB59"/>
+                </a:solidFill>
+                <a:latin typeface="Lucida Console"/>
+                <a:cs typeface="Lucida Console"/>
+              </a:rPr>
+              <a:t>*</a:t>
+            </a:r>
+            <a:r>
+              <a:rPr lang="en-GB" dirty="0" smtClean="0">
+                <a:solidFill>
+                  <a:srgbClr val="B3A2C7"/>
+                </a:solidFill>
+                <a:latin typeface="Lucida Console"/>
+                <a:cs typeface="Lucida Console"/>
+              </a:rPr>
+              <a:t> </a:t>
+            </a:r>
+            <a:r>
+              <a:rPr lang="en-GB" dirty="0" smtClean="0">
+                <a:solidFill>
+                  <a:srgbClr val="9BBB59"/>
+                </a:solidFill>
+                <a:latin typeface="Lucida Console"/>
+                <a:cs typeface="Lucida Console"/>
+              </a:rPr>
+              <a:t>(TZ **</a:t>
+            </a:r>
+            <a:r>
+              <a:rPr lang="en-GB" dirty="0" smtClean="0">
+                <a:latin typeface="Lucida Console"/>
+                <a:cs typeface="Lucida Console"/>
+              </a:rPr>
+              <a:t> </a:t>
+            </a:r>
+            <a:r>
+              <a:rPr lang="en-GB" dirty="0" err="1" smtClean="0">
+                <a:solidFill>
+                  <a:srgbClr val="9BBB59"/>
+                </a:solidFill>
+                <a:latin typeface="Lucida Console"/>
+                <a:cs typeface="Lucida Console"/>
+              </a:rPr>
+              <a:t>Refl</a:t>
+            </a:r>
+            <a:r>
+              <a:rPr lang="en-GB" dirty="0" smtClean="0">
+                <a:solidFill>
+                  <a:srgbClr val="9BBB59"/>
+                </a:solidFill>
+                <a:latin typeface="Lucida Console"/>
+                <a:cs typeface="Lucida Console"/>
+              </a:rPr>
+              <a:t>)) ** </a:t>
+            </a:r>
+            <a:r>
+              <a:rPr lang="en-GB" dirty="0" err="1" smtClean="0">
+                <a:solidFill>
+                  <a:srgbClr val="9BBB59"/>
+                </a:solidFill>
+                <a:latin typeface="Lucida Console"/>
+                <a:cs typeface="Lucida Console"/>
+              </a:rPr>
+              <a:t>Refl</a:t>
+            </a:r>
+            <a:r>
+              <a:rPr lang="en-GB" dirty="0" smtClean="0">
+                <a:solidFill>
+                  <a:srgbClr val="9BBB59"/>
+                </a:solidFill>
+                <a:latin typeface="Lucida Console"/>
+                <a:cs typeface="Lucida Console"/>
+              </a:rPr>
+              <a:t>)</a:t>
+            </a:r>
+          </a:p>
+          <a:p>
+            <a:r>
+              <a:rPr lang="en-GB" dirty="0">
+                <a:solidFill>
+                  <a:srgbClr val="9BBB59"/>
+                </a:solidFill>
+                <a:latin typeface="Lucida Console"/>
+                <a:cs typeface="Lucida Console"/>
+              </a:rPr>
+              <a:t> </a:t>
+            </a:r>
+            <a:r>
+              <a:rPr lang="en-GB" dirty="0" smtClean="0">
+                <a:solidFill>
+                  <a:srgbClr val="9BBB59"/>
+                </a:solidFill>
+                <a:latin typeface="Lucida Console"/>
+                <a:cs typeface="Lucida Console"/>
+              </a:rPr>
+              <a:t>                  )))) ** </a:t>
+            </a:r>
+            <a:r>
+              <a:rPr lang="en-GB" dirty="0" err="1" smtClean="0">
+                <a:solidFill>
+                  <a:srgbClr val="9BBB59"/>
+                </a:solidFill>
+                <a:latin typeface="Lucida Console"/>
+                <a:cs typeface="Lucida Console"/>
+              </a:rPr>
+              <a:t>Refl</a:t>
+            </a:r>
+            <a:r>
+              <a:rPr lang="en-GB" dirty="0" smtClean="0">
+                <a:solidFill>
+                  <a:srgbClr val="9BBB59"/>
+                </a:solidFill>
+                <a:latin typeface="Lucida Console"/>
+                <a:cs typeface="Lucida Console"/>
+              </a:rPr>
+              <a:t>)</a:t>
+            </a:r>
+          </a:p>
+          <a:p>
+            <a:r>
+              <a:rPr lang="en-GB" dirty="0">
+                <a:solidFill>
+                  <a:srgbClr val="9BBB59"/>
+                </a:solidFill>
+                <a:latin typeface="Lucida Console"/>
+                <a:cs typeface="Lucida Console"/>
+              </a:rPr>
+              <a:t> </a:t>
+            </a:r>
+            <a:r>
+              <a:rPr lang="en-GB" dirty="0" smtClean="0">
+                <a:solidFill>
+                  <a:srgbClr val="9BBB59"/>
+                </a:solidFill>
+                <a:latin typeface="Lucida Console"/>
+                <a:cs typeface="Lucida Console"/>
+              </a:rPr>
+              <a:t>               )))) ** </a:t>
+            </a:r>
+            <a:r>
+              <a:rPr lang="en-GB" dirty="0" err="1" smtClean="0">
+                <a:solidFill>
+                  <a:srgbClr val="9BBB59"/>
+                </a:solidFill>
+                <a:latin typeface="Lucida Console"/>
+                <a:cs typeface="Lucida Console"/>
+              </a:rPr>
+              <a:t>Refl</a:t>
+            </a:r>
+            <a:r>
+              <a:rPr lang="en-GB" dirty="0" smtClean="0">
+                <a:solidFill>
+                  <a:srgbClr val="9BBB59"/>
+                </a:solidFill>
+                <a:latin typeface="Lucida Console"/>
+                <a:cs typeface="Lucida Console"/>
+              </a:rPr>
+              <a:t>)</a:t>
+            </a:r>
+          </a:p>
+          <a:p>
+            <a:r>
+              <a:rPr lang="en-GB" dirty="0">
+                <a:solidFill>
+                  <a:srgbClr val="9BBB59"/>
+                </a:solidFill>
+                <a:latin typeface="Lucida Console"/>
+                <a:cs typeface="Lucida Console"/>
+              </a:rPr>
+              <a:t> </a:t>
+            </a:r>
+            <a:r>
+              <a:rPr lang="en-GB" dirty="0" smtClean="0">
+                <a:solidFill>
+                  <a:srgbClr val="9BBB59"/>
+                </a:solidFill>
+                <a:latin typeface="Lucida Console"/>
+                <a:cs typeface="Lucida Console"/>
+              </a:rPr>
+              <a:t>             ))))</a:t>
+            </a:r>
           </a:p>
           <a:p>
             <a:r>
